--- a/labs/figures/chi-square.pptx
+++ b/labs/figures/chi-square.pptx
@@ -107,6 +107,11 @@
       </a:defRPr>
     </a:lvl9pPr>
   </p:defaultTextStyle>
+  <p:extLst>
+    <p:ext uri="{EFAFB233-063F-42B5-8137-9DF3F51BA10A}">
+      <p15:sldGuideLst xmlns:p15="http://schemas.microsoft.com/office/powerpoint/2012/main"/>
+    </p:ext>
+  </p:extLst>
 </p:presentation>
 </file>
 
@@ -4483,8 +4488,8 @@
             </a:p>
           </p:txBody>
         </p:sp>
-        <mc:AlternateContent xmlns:mc="http://schemas.openxmlformats.org/markup-compatibility/2006">
-          <mc:Choice xmlns:a14="http://schemas.microsoft.com/office/drawing/2010/main" Requires="a14">
+        <mc:AlternateContent xmlns:mc="http://schemas.openxmlformats.org/markup-compatibility/2006" xmlns:a14="http://schemas.microsoft.com/office/drawing/2010/main">
+          <mc:Choice Requires="a14">
             <p:sp>
               <p:nvSpPr>
                 <p:cNvPr id="41" name="TextBox 40">
@@ -4513,6 +4518,7 @@
                 </a:bodyPr>
                 <a:lstStyle/>
                 <a:p>
+                  <a:pPr/>
                   <a14:m>
                     <m:oMathPara xmlns:m="http://schemas.openxmlformats.org/officeDocument/2006/math">
                       <m:oMathParaPr>
@@ -4608,7 +4614,7 @@
               </p:txBody>
             </p:sp>
           </mc:Choice>
-          <mc:Fallback>
+          <mc:Fallback xmlns="">
             <p:sp>
               <p:nvSpPr>
                 <p:cNvPr id="41" name="TextBox 40">
@@ -7223,7 +7229,7 @@
             <a:prstGeom prst="straightConnector1">
               <a:avLst/>
             </a:prstGeom>
-            <a:ln>
+            <a:ln w="15875">
               <a:solidFill>
                 <a:schemeClr val="tx1">
                   <a:lumMod val="65000"/>
@@ -7345,7 +7351,7 @@
             <a:prstGeom prst="straightConnector1">
               <a:avLst/>
             </a:prstGeom>
-            <a:ln>
+            <a:ln w="15875">
               <a:solidFill>
                 <a:schemeClr val="tx1">
                   <a:lumMod val="65000"/>
@@ -7435,8 +7441,8 @@
             </a:p>
           </p:txBody>
         </p:sp>
-        <mc:AlternateContent xmlns:mc="http://schemas.openxmlformats.org/markup-compatibility/2006">
-          <mc:Choice xmlns:a14="http://schemas.microsoft.com/office/drawing/2010/main" Requires="a14">
+        <mc:AlternateContent xmlns:mc="http://schemas.openxmlformats.org/markup-compatibility/2006" xmlns:a14="http://schemas.microsoft.com/office/drawing/2010/main">
+          <mc:Choice Requires="a14">
             <p:sp>
               <p:nvSpPr>
                 <p:cNvPr id="50" name="TextBox 49">
@@ -7465,6 +7471,7 @@
                 </a:bodyPr>
                 <a:lstStyle/>
                 <a:p>
+                  <a:pPr/>
                   <a14:m>
                     <m:oMathPara xmlns:m="http://schemas.openxmlformats.org/officeDocument/2006/math">
                       <m:oMathParaPr>
@@ -7635,7 +7642,7 @@
               </p:txBody>
             </p:sp>
           </mc:Choice>
-          <mc:Fallback>
+          <mc:Fallback xmlns="">
             <p:sp>
               <p:nvSpPr>
                 <p:cNvPr id="50" name="TextBox 49">
